--- a/slides/B08-NET1-internet.pptx
+++ b/slides/B08-NET1-internet.pptx
@@ -35,7 +35,7 @@
     <p:sldId id="1623" r:id="rId23"/>
     <p:sldId id="1582" r:id="rId24"/>
     <p:sldId id="1614" r:id="rId25"/>
-    <p:sldId id="1631" r:id="rId26"/>
+    <p:sldId id="1637" r:id="rId26"/>
     <p:sldId id="1616" r:id="rId27"/>
     <p:sldId id="1617" r:id="rId28"/>
     <p:sldId id="1555" r:id="rId29"/>
@@ -9673,11 +9673,23 @@
           <a:lstStyle/>
           <a:p>
             <a:r>
-              <a:rPr lang="en-US" altLang="zh-CN" sz="3200" dirty="0" smtClean="0"/>
+              <a:rPr lang="en-US" altLang="zh-CN" sz="3200" dirty="0" smtClean="0">
+                <a:solidFill>
+                  <a:schemeClr val="bg1">
+                    <a:lumMod val="85000"/>
+                  </a:schemeClr>
+                </a:solidFill>
+              </a:rPr>
               <a:t>C</a:t>
             </a:r>
             <a:r>
-              <a:rPr lang="en-US" sz="3200" dirty="0" smtClean="0"/>
+              <a:rPr lang="en-US" sz="3200" dirty="0" smtClean="0">
+                <a:solidFill>
+                  <a:schemeClr val="bg1">
+                    <a:lumMod val="85000"/>
+                  </a:schemeClr>
+                </a:solidFill>
+              </a:rPr>
               <a:t>omputer networking</a:t>
             </a:r>
           </a:p>
@@ -9688,11 +9700,7 @@
               </a:spcBef>
             </a:pPr>
             <a:r>
-              <a:rPr lang="en-US" sz="3200" dirty="0" smtClean="0">
-                <a:solidFill>
-                  <a:srgbClr val="FF0000"/>
-                </a:solidFill>
-              </a:rPr>
+              <a:rPr lang="en-US" sz="3200" dirty="0" smtClean="0"/>
               <a:t>Network protocols</a:t>
             </a:r>
           </a:p>
@@ -9703,7 +9711,13 @@
               </a:spcBef>
             </a:pPr>
             <a:r>
-              <a:rPr lang="en-US" sz="3200" dirty="0" smtClean="0"/>
+              <a:rPr lang="en-US" sz="3200" dirty="0" smtClean="0">
+                <a:solidFill>
+                  <a:schemeClr val="bg1">
+                    <a:lumMod val="85000"/>
+                  </a:schemeClr>
+                </a:solidFill>
+              </a:rPr>
               <a:t>Global IP Internet</a:t>
             </a:r>
           </a:p>
@@ -9714,7 +9728,13 @@
               </a:spcBef>
             </a:pPr>
             <a:r>
-              <a:rPr lang="en-US" sz="3200" dirty="0" smtClean="0"/>
+              <a:rPr lang="en-US" sz="3200" dirty="0" smtClean="0">
+                <a:solidFill>
+                  <a:schemeClr val="bg1">
+                    <a:lumMod val="85000"/>
+                  </a:schemeClr>
+                </a:solidFill>
+              </a:rPr>
               <a:t>Programmer’s view of Internet</a:t>
             </a:r>
           </a:p>
@@ -9725,7 +9745,13 @@
               </a:spcBef>
             </a:pPr>
             <a:r>
-              <a:rPr lang="en-US" sz="3200" dirty="0" smtClean="0"/>
+              <a:rPr lang="en-US" sz="3200" dirty="0" smtClean="0">
+                <a:solidFill>
+                  <a:schemeClr val="bg1">
+                    <a:lumMod val="85000"/>
+                  </a:schemeClr>
+                </a:solidFill>
+              </a:rPr>
               <a:t>Evolution of Internet</a:t>
             </a:r>
           </a:p>
@@ -13831,14 +13857,26 @@
           <a:lstStyle/>
           <a:p>
             <a:r>
-              <a:rPr lang="en-US" altLang="zh-CN" sz="3200" dirty="0"/>
+              <a:rPr lang="en-US" altLang="zh-CN" sz="3200" dirty="0">
+                <a:solidFill>
+                  <a:srgbClr val="B3B3B3"/>
+                </a:solidFill>
+              </a:rPr>
               <a:t>Computer networking </a:t>
             </a:r>
-            <a:endParaRPr lang="en-US" altLang="zh-CN" sz="3200" dirty="0" smtClean="0"/>
-          </a:p>
-          <a:p>
-            <a:r>
-              <a:rPr lang="en-US" sz="3200" dirty="0" smtClean="0"/>
+            <a:endParaRPr lang="en-US" altLang="zh-CN" sz="3200" dirty="0" smtClean="0">
+              <a:solidFill>
+                <a:srgbClr val="B3B3B3"/>
+              </a:solidFill>
+            </a:endParaRPr>
+          </a:p>
+          <a:p>
+            <a:r>
+              <a:rPr lang="en-US" sz="3200" dirty="0" smtClean="0">
+                <a:solidFill>
+                  <a:srgbClr val="B3B3B3"/>
+                </a:solidFill>
+              </a:rPr>
               <a:t>Network protocols</a:t>
             </a:r>
           </a:p>
@@ -13849,11 +13887,7 @@
               </a:spcBef>
             </a:pPr>
             <a:r>
-              <a:rPr lang="en-US" sz="3200" dirty="0" smtClean="0">
-                <a:solidFill>
-                  <a:srgbClr val="FF0000"/>
-                </a:solidFill>
-              </a:rPr>
+              <a:rPr lang="en-US" sz="3200" dirty="0" smtClean="0"/>
               <a:t>Global IP Internet</a:t>
             </a:r>
           </a:p>
@@ -13864,7 +13898,11 @@
               </a:spcBef>
             </a:pPr>
             <a:r>
-              <a:rPr lang="en-US" sz="3200" dirty="0" smtClean="0"/>
+              <a:rPr lang="en-US" sz="3200" dirty="0" smtClean="0">
+                <a:solidFill>
+                  <a:srgbClr val="B3B3B3"/>
+                </a:solidFill>
+              </a:rPr>
               <a:t>Programmer’s view of Internet</a:t>
             </a:r>
           </a:p>
@@ -13875,17 +13913,26 @@
               </a:spcBef>
             </a:pPr>
             <a:r>
-              <a:rPr lang="en-US" sz="3200" dirty="0" smtClean="0"/>
-              <a:t>Evolution of Internet</a:t>
-            </a:r>
-          </a:p>
-          <a:p>
-            <a:pPr lvl="1">
-              <a:lnSpc>
-                <a:spcPct val="90000"/>
-              </a:lnSpc>
-            </a:pPr>
-            <a:endParaRPr lang="en-US" sz="3200" dirty="0"/>
+              <a:rPr lang="en-US" sz="3200" dirty="0" smtClean="0">
+                <a:solidFill>
+                  <a:srgbClr val="B3B3B3"/>
+                </a:solidFill>
+              </a:rPr>
+              <a:t>Evolution of </a:t>
+            </a:r>
+            <a:r>
+              <a:rPr lang="en-US" sz="3200" dirty="0" smtClean="0">
+                <a:solidFill>
+                  <a:srgbClr val="B3B3B3"/>
+                </a:solidFill>
+              </a:rPr>
+              <a:t>Internet</a:t>
+            </a:r>
+            <a:endParaRPr lang="en-US" sz="3200" dirty="0" smtClean="0">
+              <a:solidFill>
+                <a:srgbClr val="B3B3B3"/>
+              </a:solidFill>
+            </a:endParaRPr>
           </a:p>
         </p:txBody>
       </p:sp>
@@ -14350,11 +14397,7 @@
           <a:lstStyle/>
           <a:p>
             <a:r>
-              <a:rPr lang="en-US" sz="3200" dirty="0" smtClean="0">
-                <a:solidFill>
-                  <a:srgbClr val="FF0000"/>
-                </a:solidFill>
-              </a:rPr>
+              <a:rPr lang="en-US" sz="3200" dirty="0" smtClean="0"/>
               <a:t>Computer networking</a:t>
             </a:r>
           </a:p>
@@ -14365,7 +14408,13 @@
               </a:spcBef>
             </a:pPr>
             <a:r>
-              <a:rPr lang="en-US" sz="3200" dirty="0" smtClean="0"/>
+              <a:rPr lang="en-US" sz="3200" dirty="0" smtClean="0">
+                <a:solidFill>
+                  <a:schemeClr val="bg1">
+                    <a:lumMod val="85000"/>
+                  </a:schemeClr>
+                </a:solidFill>
+              </a:rPr>
               <a:t>Network protocols</a:t>
             </a:r>
           </a:p>
@@ -14376,7 +14425,13 @@
               </a:spcBef>
             </a:pPr>
             <a:r>
-              <a:rPr lang="en-US" sz="3200" dirty="0" smtClean="0"/>
+              <a:rPr lang="en-US" sz="3200" dirty="0" smtClean="0">
+                <a:solidFill>
+                  <a:schemeClr val="bg1">
+                    <a:lumMod val="85000"/>
+                  </a:schemeClr>
+                </a:solidFill>
+              </a:rPr>
               <a:t>Global IP Internet</a:t>
             </a:r>
           </a:p>
@@ -14387,7 +14442,13 @@
               </a:spcBef>
             </a:pPr>
             <a:r>
-              <a:rPr lang="en-US" sz="3200" dirty="0" smtClean="0"/>
+              <a:rPr lang="en-US" sz="3200" dirty="0" smtClean="0">
+                <a:solidFill>
+                  <a:schemeClr val="bg1">
+                    <a:lumMod val="85000"/>
+                  </a:schemeClr>
+                </a:solidFill>
+              </a:rPr>
               <a:t>Programmer’s view of Internet</a:t>
             </a:r>
           </a:p>
@@ -14398,17 +14459,32 @@
               </a:spcBef>
             </a:pPr>
             <a:r>
-              <a:rPr lang="en-US" sz="3200" dirty="0" smtClean="0"/>
-              <a:t>Evolution of Internet</a:t>
-            </a:r>
-          </a:p>
-          <a:p>
-            <a:pPr lvl="1">
-              <a:lnSpc>
-                <a:spcPct val="90000"/>
-              </a:lnSpc>
-            </a:pPr>
-            <a:endParaRPr lang="en-US" sz="3200" dirty="0"/>
+              <a:rPr lang="en-US" sz="3200" dirty="0" smtClean="0">
+                <a:solidFill>
+                  <a:schemeClr val="bg1">
+                    <a:lumMod val="85000"/>
+                  </a:schemeClr>
+                </a:solidFill>
+              </a:rPr>
+              <a:t>Evolution of </a:t>
+            </a:r>
+            <a:r>
+              <a:rPr lang="en-US" sz="3200" dirty="0" smtClean="0">
+                <a:solidFill>
+                  <a:schemeClr val="bg1">
+                    <a:lumMod val="85000"/>
+                  </a:schemeClr>
+                </a:solidFill>
+              </a:rPr>
+              <a:t>Internet</a:t>
+            </a:r>
+            <a:endParaRPr lang="en-US" sz="3200" dirty="0" smtClean="0">
+              <a:solidFill>
+                <a:schemeClr val="bg1">
+                  <a:lumMod val="85000"/>
+                </a:schemeClr>
+              </a:solidFill>
+            </a:endParaRPr>
           </a:p>
         </p:txBody>
       </p:sp>
@@ -18733,14 +18809,26 @@
           <a:lstStyle/>
           <a:p>
             <a:r>
-              <a:rPr lang="en-US" altLang="zh-CN" sz="3200" dirty="0"/>
+              <a:rPr lang="en-US" altLang="zh-CN" sz="3200" dirty="0">
+                <a:solidFill>
+                  <a:srgbClr val="B3B3B3"/>
+                </a:solidFill>
+              </a:rPr>
               <a:t>Computer networking </a:t>
             </a:r>
-            <a:endParaRPr lang="en-US" altLang="zh-CN" sz="3200" dirty="0" smtClean="0"/>
-          </a:p>
-          <a:p>
-            <a:r>
-              <a:rPr lang="en-US" sz="3200" dirty="0" smtClean="0"/>
+            <a:endParaRPr lang="en-US" altLang="zh-CN" sz="3200" dirty="0" smtClean="0">
+              <a:solidFill>
+                <a:srgbClr val="B3B3B3"/>
+              </a:solidFill>
+            </a:endParaRPr>
+          </a:p>
+          <a:p>
+            <a:r>
+              <a:rPr lang="en-US" sz="3200" dirty="0" smtClean="0">
+                <a:solidFill>
+                  <a:srgbClr val="B3B3B3"/>
+                </a:solidFill>
+              </a:rPr>
               <a:t>Network protocols </a:t>
             </a:r>
           </a:p>
@@ -18751,7 +18839,11 @@
               </a:spcBef>
             </a:pPr>
             <a:r>
-              <a:rPr lang="en-US" sz="3200" dirty="0" smtClean="0"/>
+              <a:rPr lang="en-US" sz="3200" dirty="0" smtClean="0">
+                <a:solidFill>
+                  <a:srgbClr val="B3B3B3"/>
+                </a:solidFill>
+              </a:rPr>
               <a:t>Global IP Internet</a:t>
             </a:r>
           </a:p>
@@ -18762,11 +18854,7 @@
               </a:spcBef>
             </a:pPr>
             <a:r>
-              <a:rPr lang="en-US" sz="3200" dirty="0" smtClean="0">
-                <a:solidFill>
-                  <a:srgbClr val="FF0000"/>
-                </a:solidFill>
-              </a:rPr>
+              <a:rPr lang="en-US" sz="3200" dirty="0" smtClean="0"/>
               <a:t>Programmer’s view of Internet</a:t>
             </a:r>
           </a:p>
@@ -18777,17 +18865,26 @@
               </a:spcBef>
             </a:pPr>
             <a:r>
-              <a:rPr lang="en-US" sz="3200" dirty="0" smtClean="0"/>
-              <a:t>Evolution of Internet</a:t>
-            </a:r>
-          </a:p>
-          <a:p>
-            <a:pPr lvl="1">
-              <a:lnSpc>
-                <a:spcPct val="90000"/>
-              </a:lnSpc>
-            </a:pPr>
-            <a:endParaRPr lang="en-US" sz="3200" dirty="0"/>
+              <a:rPr lang="en-US" sz="3200" dirty="0" smtClean="0">
+                <a:solidFill>
+                  <a:srgbClr val="B3B3B3"/>
+                </a:solidFill>
+              </a:rPr>
+              <a:t>Evolution of </a:t>
+            </a:r>
+            <a:r>
+              <a:rPr lang="en-US" sz="3200" dirty="0" smtClean="0">
+                <a:solidFill>
+                  <a:srgbClr val="B3B3B3"/>
+                </a:solidFill>
+              </a:rPr>
+              <a:t>Internet</a:t>
+            </a:r>
+            <a:endParaRPr lang="en-US" sz="3200" dirty="0" smtClean="0">
+              <a:solidFill>
+                <a:srgbClr val="B3B3B3"/>
+              </a:solidFill>
+            </a:endParaRPr>
           </a:p>
         </p:txBody>
       </p:sp>
@@ -18949,8 +19046,12 @@
           <a:p>
             <a:pPr lvl="1"/>
             <a:r>
+              <a:rPr lang="en-US" dirty="0" smtClean="0"/>
+              <a:t>128.2.217.3 </a:t>
+            </a:r>
+            <a:r>
               <a:rPr lang="en-US" dirty="0"/>
-              <a:t>128.2.203.179 is mapped to  www.cs.cmu.edu </a:t>
+              <a:t>is mapped to  www.cs.cmu.edu </a:t>
             </a:r>
           </a:p>
           <a:p>
@@ -19129,55 +19230,83 @@
           </a:p>
           <a:p>
             <a:pPr lvl="1"/>
+            <a:endParaRPr lang="en-US" dirty="0" smtClean="0"/>
+          </a:p>
+          <a:p>
+            <a:endParaRPr lang="en-US" dirty="0"/>
+          </a:p>
+          <a:p>
+            <a:endParaRPr lang="en-US" dirty="0" smtClean="0"/>
+          </a:p>
+          <a:p>
+            <a:endParaRPr lang="en-US" dirty="0"/>
+          </a:p>
+          <a:p>
+            <a:endParaRPr lang="en-US" dirty="0" smtClean="0"/>
+          </a:p>
+          <a:p>
+            <a:r>
+              <a:rPr lang="en-US" dirty="0" smtClean="0"/>
+              <a:t>We </a:t>
+            </a:r>
             <a:r>
               <a:rPr lang="en-US" dirty="0"/>
-              <a:t>But IPv6 is finally taking hold</a:t>
-            </a:r>
-          </a:p>
-          <a:p>
-            <a:pPr lvl="1"/>
-            <a:r>
-              <a:rPr lang="en-US" dirty="0"/>
-              <a:t>% of users access Google services using IPv6:</a:t>
-            </a:r>
-          </a:p>
-          <a:p>
-            <a:pPr lvl="2">
-              <a:tabLst>
-                <a:tab pos="3257550" algn="r"/>
-              </a:tabLst>
-            </a:pPr>
-            <a:r>
-              <a:rPr lang="en-US" dirty="0"/>
-              <a:t>Nov. 2014:	4%</a:t>
-            </a:r>
-          </a:p>
-          <a:p>
-            <a:pPr lvl="2">
-              <a:tabLst>
-                <a:tab pos="3257550" algn="r"/>
-              </a:tabLst>
-            </a:pPr>
-            <a:r>
-              <a:rPr lang="en-US" dirty="0"/>
-              <a:t>Nov. 2015: 	7%</a:t>
-            </a:r>
-          </a:p>
-          <a:p>
-            <a:pPr lvl="2">
-              <a:tabLst>
-                <a:tab pos="3257550" algn="r"/>
-              </a:tabLst>
-            </a:pPr>
-            <a:r>
-              <a:rPr lang="en-US" dirty="0"/>
-              <a:t>Nov. 2016: 	14%</a:t>
-            </a:r>
-          </a:p>
-          <a:p>
-            <a:r>
-              <a:rPr lang="en-US" dirty="0"/>
-              <a:t>We will focus on IPv4, but will show you how to write networking code that is protocol-independent.</a:t>
+              <a:t>will focus on IPv4, but will show you how to write networking code that is protocol-independent.</a:t>
+            </a:r>
+          </a:p>
+        </p:txBody>
+      </p:sp>
+      <p:pic>
+        <p:nvPicPr>
+          <p:cNvPr id="4" name="Picture 3"/>
+          <p:cNvPicPr>
+            <a:picLocks noChangeAspect="1"/>
+          </p:cNvPicPr>
+          <p:nvPr/>
+        </p:nvPicPr>
+        <p:blipFill>
+          <a:blip r:embed="rId2"/>
+          <a:stretch>
+            <a:fillRect/>
+          </a:stretch>
+        </p:blipFill>
+        <p:spPr>
+          <a:xfrm>
+            <a:off x="1219200" y="3801513"/>
+            <a:ext cx="4572000" cy="2108332"/>
+          </a:xfrm>
+          <a:prstGeom prst="rect">
+            <a:avLst/>
+          </a:prstGeom>
+        </p:spPr>
+      </p:pic>
+      <p:sp>
+        <p:nvSpPr>
+          <p:cNvPr id="5" name="TextBox 4"/>
+          <p:cNvSpPr txBox="1"/>
+          <p:nvPr/>
+        </p:nvSpPr>
+        <p:spPr>
+          <a:xfrm>
+            <a:off x="5943600" y="4633874"/>
+            <a:ext cx="2189684" cy="369332"/>
+          </a:xfrm>
+          <a:prstGeom prst="rect">
+            <a:avLst/>
+          </a:prstGeom>
+          <a:noFill/>
+        </p:spPr>
+        <p:txBody>
+          <a:bodyPr wrap="none" rtlCol="0">
+            <a:spAutoFit/>
+          </a:bodyPr>
+          <a:lstStyle/>
+          <a:p>
+            <a:r>
+              <a:rPr lang="en-US" sz="1800" dirty="0" smtClean="0">
+                <a:latin typeface="Calibri" pitchFamily="34" charset="0"/>
+              </a:rPr>
+              <a:t>IPv6 traffic at Google</a:t>
             </a:r>
           </a:p>
         </p:txBody>
@@ -19185,7 +19314,7 @@
     </p:spTree>
     <p:extLst>
       <p:ext uri="{BB962C8B-B14F-4D97-AF65-F5344CB8AC3E}">
-        <p14:creationId xmlns:p14="http://schemas.microsoft.com/office/powerpoint/2010/main" val="125898970"/>
+        <p14:creationId xmlns:p14="http://schemas.microsoft.com/office/powerpoint/2010/main" val="777235649"/>
       </p:ext>
     </p:extLst>
   </p:cSld>
@@ -24905,14 +25034,14 @@
               <a:t> </a:t>
             </a:r>
             <a:r>
-              <a:rPr lang="en-US" sz="1800" dirty="0" err="1">
+              <a:rPr lang="en-US" sz="1800" dirty="0" smtClean="0">
                 <a:solidFill>
                   <a:srgbClr val="000000"/>
                 </a:solidFill>
                 <a:latin typeface="Courier New"/>
                 <a:cs typeface="Courier New"/>
               </a:rPr>
-              <a:t>www.twitter.com</a:t>
+              <a:t>twitter.com</a:t>
             </a:r>
             <a:endParaRPr lang="en-US" sz="1800" dirty="0">
               <a:solidFill>
@@ -25118,8 +25247,8 @@
         </p:nvSpPr>
         <p:spPr>
           <a:xfrm>
-            <a:off x="280576" y="441737"/>
-            <a:ext cx="7589838" cy="573087"/>
+            <a:off x="280575" y="441737"/>
+            <a:ext cx="8489681" cy="573087"/>
           </a:xfrm>
         </p:spPr>
         <p:txBody>
@@ -25128,7 +25257,11 @@
           <a:p>
             <a:r>
               <a:rPr lang="en-US" altLang="zh-CN" dirty="0"/>
-              <a:t>Properties of DNS Host Entries</a:t>
+              <a:t>Properties of DNS Host </a:t>
+            </a:r>
+            <a:r>
+              <a:rPr lang="en-US" altLang="zh-CN" dirty="0" smtClean="0"/>
+              <a:t>Entries (obsolete)</a:t>
             </a:r>
             <a:endParaRPr lang="en-US" dirty="0"/>
           </a:p>
@@ -25702,9 +25835,22 @@
           <a:lstStyle/>
           <a:p>
             <a:r>
-              <a:rPr lang="en-US"/>
-              <a:t>A Program That Queries DNS</a:t>
-            </a:r>
+              <a:rPr lang="en-US" dirty="0"/>
+              <a:t>A Program That Queries </a:t>
+            </a:r>
+            <a:r>
+              <a:rPr lang="en-US" dirty="0" smtClean="0"/>
+              <a:t>DNS </a:t>
+            </a:r>
+            <a:r>
+              <a:rPr lang="en-US" altLang="zh-CN" dirty="0" smtClean="0"/>
+              <a:t>(</a:t>
+            </a:r>
+            <a:r>
+              <a:rPr lang="en-US" altLang="zh-CN" dirty="0"/>
+              <a:t>obsolete)</a:t>
+            </a:r>
+            <a:endParaRPr lang="en-US" dirty="0"/>
           </a:p>
         </p:txBody>
       </p:sp>
@@ -26732,7 +26878,15 @@
           <a:p>
             <a:r>
               <a:rPr lang="en-US" dirty="0" smtClean="0"/>
-              <a:t>Using DNS Program</a:t>
+              <a:t>Using DNS </a:t>
+            </a:r>
+            <a:r>
+              <a:rPr lang="en-US" dirty="0" smtClean="0"/>
+              <a:t>Program </a:t>
+            </a:r>
+            <a:r>
+              <a:rPr lang="en-US" altLang="zh-CN" dirty="0"/>
+              <a:t>(obsolete)</a:t>
             </a:r>
             <a:endParaRPr lang="en-US" dirty="0">
               <a:latin typeface="Courier New" pitchFamily="49" charset="0"/>
@@ -31828,15 +31982,27 @@
           <a:lstStyle/>
           <a:p>
             <a:r>
-              <a:rPr lang="en-US" altLang="zh-CN" sz="3200" dirty="0"/>
+              <a:rPr lang="en-US" altLang="zh-CN" sz="3200" dirty="0">
+                <a:solidFill>
+                  <a:srgbClr val="B3B3B3"/>
+                </a:solidFill>
+              </a:rPr>
               <a:t>Computer </a:t>
             </a:r>
             <a:r>
-              <a:rPr lang="en-US" altLang="zh-CN" sz="3200" dirty="0" smtClean="0"/>
+              <a:rPr lang="en-US" altLang="zh-CN" sz="3200" dirty="0" smtClean="0">
+                <a:solidFill>
+                  <a:srgbClr val="B3B3B3"/>
+                </a:solidFill>
+              </a:rPr>
               <a:t>networking</a:t>
             </a:r>
             <a:r>
-              <a:rPr lang="en-US" sz="3200" dirty="0" smtClean="0"/>
+              <a:rPr lang="en-US" sz="3200" dirty="0" smtClean="0">
+                <a:solidFill>
+                  <a:srgbClr val="B3B3B3"/>
+                </a:solidFill>
+              </a:rPr>
               <a:t> </a:t>
             </a:r>
           </a:p>
@@ -31847,7 +32013,11 @@
               </a:spcBef>
             </a:pPr>
             <a:r>
-              <a:rPr lang="en-US" sz="3200" dirty="0" smtClean="0"/>
+              <a:rPr lang="en-US" sz="3200" dirty="0" smtClean="0">
+                <a:solidFill>
+                  <a:srgbClr val="B3B3B3"/>
+                </a:solidFill>
+              </a:rPr>
               <a:t>Network protocols </a:t>
             </a:r>
           </a:p>
@@ -31858,7 +32028,11 @@
               </a:spcBef>
             </a:pPr>
             <a:r>
-              <a:rPr lang="en-US" sz="3200" dirty="0" smtClean="0"/>
+              <a:rPr lang="en-US" sz="3200" dirty="0" smtClean="0">
+                <a:solidFill>
+                  <a:srgbClr val="B3B3B3"/>
+                </a:solidFill>
+              </a:rPr>
               <a:t>Global IP Internet</a:t>
             </a:r>
           </a:p>
@@ -31869,7 +32043,11 @@
               </a:spcBef>
             </a:pPr>
             <a:r>
-              <a:rPr lang="en-US" sz="3200" dirty="0" smtClean="0"/>
+              <a:rPr lang="en-US" sz="3200" dirty="0" smtClean="0">
+                <a:solidFill>
+                  <a:srgbClr val="B3B3B3"/>
+                </a:solidFill>
+              </a:rPr>
               <a:t>Programmer’s view of Internet</a:t>
             </a:r>
           </a:p>
@@ -31880,21 +32058,14 @@
               </a:spcBef>
             </a:pPr>
             <a:r>
-              <a:rPr lang="en-US" sz="3200" dirty="0" smtClean="0">
-                <a:solidFill>
-                  <a:srgbClr val="FF0000"/>
-                </a:solidFill>
-              </a:rPr>
-              <a:t>Evolution of Internet</a:t>
-            </a:r>
-          </a:p>
-          <a:p>
-            <a:pPr lvl="1">
-              <a:lnSpc>
-                <a:spcPct val="90000"/>
-              </a:lnSpc>
-            </a:pPr>
-            <a:endParaRPr lang="en-US" sz="3200" dirty="0"/>
+              <a:rPr lang="en-US" sz="3200" dirty="0" smtClean="0"/>
+              <a:t>Evolution of </a:t>
+            </a:r>
+            <a:r>
+              <a:rPr lang="en-US" sz="3200" dirty="0" smtClean="0"/>
+              <a:t>Internet</a:t>
+            </a:r>
+            <a:endParaRPr lang="en-US" sz="3200" dirty="0" smtClean="0"/>
           </a:p>
         </p:txBody>
       </p:sp>
@@ -35632,11 +35803,14 @@
           <a:p>
             <a:pPr algn="ctr"/>
             <a:r>
-              <a:rPr lang="en-US" sz="1800" dirty="0">
+              <a:rPr lang="en-US" altLang="zh-CN" sz="1800" dirty="0" smtClean="0">
                 <a:latin typeface="Calibri" pitchFamily="34" charset="0"/>
               </a:rPr>
-              <a:t>MI</a:t>
-            </a:r>
+              <a:t>Bus Interface</a:t>
+            </a:r>
+            <a:endParaRPr lang="en-US" sz="1800" dirty="0">
+              <a:latin typeface="Calibri" pitchFamily="34" charset="0"/>
+            </a:endParaRPr>
           </a:p>
         </p:txBody>
       </p:sp>
@@ -37683,7 +37857,7 @@
           <p:cNvPr id="2" name="TextBox 1">
             <a:extLst>
               <a:ext uri="{FF2B5EF4-FFF2-40B4-BE49-F238E27FC236}">
-                <a16:creationId xmlns:a16="http://schemas.microsoft.com/office/drawing/2014/main" xmlns="" id="{A30C11F2-18E7-42DE-8490-7457A91A62F9}"/>
+                <a16:creationId xmlns:a16="http://schemas.microsoft.com/office/drawing/2014/main" id="{A30C11F2-18E7-42DE-8490-7457A91A62F9}"/>
               </a:ext>
             </a:extLst>
           </p:cNvPr>
